--- a/Superhero.pptx
+++ b/Superhero.pptx
@@ -6638,6 +6638,14 @@
   <p:clrMapOvr>
     <a:masterClrMapping/>
   </p:clrMapOvr>
+  <mc:AlternateContent xmlns:mc="http://schemas.openxmlformats.org/markup-compatibility/2006">
+    <mc:Choice xmlns:p14="http://schemas.microsoft.com/office/powerpoint/2010/main" Requires="p14">
+      <p:transition spd="slow" p14:dur="2000" advTm="11450"/>
+    </mc:Choice>
+    <mc:Fallback>
+      <p:transition spd="slow" advTm="11450"/>
+    </mc:Fallback>
+  </mc:AlternateContent>
 </p:sld>
 </file>
 
@@ -8487,6 +8495,14 @@
   <p:clrMapOvr>
     <a:masterClrMapping/>
   </p:clrMapOvr>
+  <mc:AlternateContent xmlns:mc="http://schemas.openxmlformats.org/markup-compatibility/2006">
+    <mc:Choice xmlns:p14="http://schemas.microsoft.com/office/powerpoint/2010/main" Requires="p14">
+      <p:transition spd="slow" p14:dur="2000" advTm="4761"/>
+    </mc:Choice>
+    <mc:Fallback>
+      <p:transition spd="slow" advTm="4761"/>
+    </mc:Fallback>
+  </mc:AlternateContent>
 </p:sld>
 </file>
 
@@ -8664,6 +8680,14 @@
   <p:clrMapOvr>
     <a:masterClrMapping/>
   </p:clrMapOvr>
+  <mc:AlternateContent xmlns:mc="http://schemas.openxmlformats.org/markup-compatibility/2006">
+    <mc:Choice xmlns:p14="http://schemas.microsoft.com/office/powerpoint/2010/main" Requires="p14">
+      <p:transition spd="slow" p14:dur="2000" advTm="4056"/>
+    </mc:Choice>
+    <mc:Fallback>
+      <p:transition spd="slow" advTm="4056"/>
+    </mc:Fallback>
+  </mc:AlternateContent>
   <p:timing>
     <p:tnLst>
       <p:par>
